--- a/Diseño/Bosquejo de bloques - definitivo.pptx
+++ b/Diseño/Bosquejo de bloques - definitivo.pptx
@@ -245,7 +245,7 @@
           <a:p>
             <a:fld id="{B4CC69C0-BFA3-4444-830A-602BF620F75C}" type="datetimeFigureOut">
               <a:rPr lang="es-ES" smtClean="0"/>
-              <a:t>08/08/2016</a:t>
+              <a:t>27/08/2016</a:t>
             </a:fld>
             <a:endParaRPr lang="es-ES"/>
           </a:p>
@@ -413,7 +413,7 @@
           <a:p>
             <a:fld id="{B4CC69C0-BFA3-4444-830A-602BF620F75C}" type="datetimeFigureOut">
               <a:rPr lang="es-ES" smtClean="0"/>
-              <a:t>08/08/2016</a:t>
+              <a:t>27/08/2016</a:t>
             </a:fld>
             <a:endParaRPr lang="es-ES"/>
           </a:p>
@@ -591,7 +591,7 @@
           <a:p>
             <a:fld id="{B4CC69C0-BFA3-4444-830A-602BF620F75C}" type="datetimeFigureOut">
               <a:rPr lang="es-ES" smtClean="0"/>
-              <a:t>08/08/2016</a:t>
+              <a:t>27/08/2016</a:t>
             </a:fld>
             <a:endParaRPr lang="es-ES"/>
           </a:p>
@@ -759,7 +759,7 @@
           <a:p>
             <a:fld id="{B4CC69C0-BFA3-4444-830A-602BF620F75C}" type="datetimeFigureOut">
               <a:rPr lang="es-ES" smtClean="0"/>
-              <a:t>08/08/2016</a:t>
+              <a:t>27/08/2016</a:t>
             </a:fld>
             <a:endParaRPr lang="es-ES"/>
           </a:p>
@@ -1004,7 +1004,7 @@
           <a:p>
             <a:fld id="{B4CC69C0-BFA3-4444-830A-602BF620F75C}" type="datetimeFigureOut">
               <a:rPr lang="es-ES" smtClean="0"/>
-              <a:t>08/08/2016</a:t>
+              <a:t>27/08/2016</a:t>
             </a:fld>
             <a:endParaRPr lang="es-ES"/>
           </a:p>
@@ -1233,7 +1233,7 @@
           <a:p>
             <a:fld id="{B4CC69C0-BFA3-4444-830A-602BF620F75C}" type="datetimeFigureOut">
               <a:rPr lang="es-ES" smtClean="0"/>
-              <a:t>08/08/2016</a:t>
+              <a:t>27/08/2016</a:t>
             </a:fld>
             <a:endParaRPr lang="es-ES"/>
           </a:p>
@@ -1597,7 +1597,7 @@
           <a:p>
             <a:fld id="{B4CC69C0-BFA3-4444-830A-602BF620F75C}" type="datetimeFigureOut">
               <a:rPr lang="es-ES" smtClean="0"/>
-              <a:t>08/08/2016</a:t>
+              <a:t>27/08/2016</a:t>
             </a:fld>
             <a:endParaRPr lang="es-ES"/>
           </a:p>
@@ -1714,7 +1714,7 @@
           <a:p>
             <a:fld id="{B4CC69C0-BFA3-4444-830A-602BF620F75C}" type="datetimeFigureOut">
               <a:rPr lang="es-ES" smtClean="0"/>
-              <a:t>08/08/2016</a:t>
+              <a:t>27/08/2016</a:t>
             </a:fld>
             <a:endParaRPr lang="es-ES"/>
           </a:p>
@@ -1809,7 +1809,7 @@
           <a:p>
             <a:fld id="{B4CC69C0-BFA3-4444-830A-602BF620F75C}" type="datetimeFigureOut">
               <a:rPr lang="es-ES" smtClean="0"/>
-              <a:t>08/08/2016</a:t>
+              <a:t>27/08/2016</a:t>
             </a:fld>
             <a:endParaRPr lang="es-ES"/>
           </a:p>
@@ -2084,7 +2084,7 @@
           <a:p>
             <a:fld id="{B4CC69C0-BFA3-4444-830A-602BF620F75C}" type="datetimeFigureOut">
               <a:rPr lang="es-ES" smtClean="0"/>
-              <a:t>08/08/2016</a:t>
+              <a:t>27/08/2016</a:t>
             </a:fld>
             <a:endParaRPr lang="es-ES"/>
           </a:p>
@@ -2336,7 +2336,7 @@
           <a:p>
             <a:fld id="{B4CC69C0-BFA3-4444-830A-602BF620F75C}" type="datetimeFigureOut">
               <a:rPr lang="es-ES" smtClean="0"/>
-              <a:t>08/08/2016</a:t>
+              <a:t>27/08/2016</a:t>
             </a:fld>
             <a:endParaRPr lang="es-ES"/>
           </a:p>
@@ -2547,7 +2547,7 @@
           <a:p>
             <a:fld id="{B4CC69C0-BFA3-4444-830A-602BF620F75C}" type="datetimeFigureOut">
               <a:rPr lang="es-ES" smtClean="0"/>
-              <a:t>08/08/2016</a:t>
+              <a:t>27/08/2016</a:t>
             </a:fld>
             <a:endParaRPr lang="es-ES"/>
           </a:p>
@@ -3366,9 +3366,9 @@
         <p:grpSpPr>
           <a:xfrm>
             <a:off x="205965" y="1690688"/>
-            <a:ext cx="11440835" cy="4808657"/>
+            <a:ext cx="11149423" cy="4808657"/>
             <a:chOff x="119522" y="1049188"/>
-            <a:chExt cx="11440835" cy="4808657"/>
+            <a:chExt cx="11149423" cy="4808657"/>
           </a:xfrm>
         </p:grpSpPr>
         <p:sp>
@@ -4442,7 +4442,7 @@
             <a:p>
               <a:r>
                 <a:rPr lang="es-419" sz="1400" dirty="0"/>
-                <a:t>5</a:t>
+                <a:t>4</a:t>
               </a:r>
             </a:p>
           </p:txBody>
@@ -4456,7 +4456,7 @@
           <p:spPr>
             <a:xfrm>
               <a:off x="8890011" y="5211514"/>
-              <a:ext cx="2670346" cy="646331"/>
+              <a:ext cx="2006703" cy="646331"/>
             </a:xfrm>
             <a:prstGeom prst="rect">
               <a:avLst/>
@@ -4484,13 +4484,10 @@
                 <a:t>, Up, Down, </a:t>
               </a:r>
               <a:r>
-                <a:rPr lang="es-419" dirty="0" err="1"/>
+                <a:rPr lang="es-419"/>
                 <a:t>Tone</a:t>
               </a:r>
-              <a:r>
-                <a:rPr lang="es-419" dirty="0"/>
-                <a:t>, Color </a:t>
-              </a:r>
+              <a:endParaRPr lang="es-419" dirty="0"/>
             </a:p>
           </p:txBody>
         </p:sp>

--- a/Diseño/Bosquejo de bloques - definitivo.pptx
+++ b/Diseño/Bosquejo de bloques - definitivo.pptx
@@ -3140,57 +3140,31 @@
         <p:spPr/>
         <p:txBody>
           <a:bodyPr>
-            <a:normAutofit lnSpcReduction="10000"/>
+            <a:normAutofit/>
           </a:bodyPr>
           <a:lstStyle/>
           <a:p>
             <a:r>
-              <a:rPr lang="es-MX" sz="1800" dirty="0" err="1"/>
-              <a:t>Clock</a:t>
-            </a:r>
-            <a:r>
               <a:rPr lang="es-MX" sz="1800" dirty="0"/>
-              <a:t>: entrada que da la sincronía entre los bloques</a:t>
-            </a:r>
-          </a:p>
-          <a:p>
-            <a:r>
-              <a:rPr lang="es-MX" sz="1800" dirty="0" err="1"/>
-              <a:t>Reset</a:t>
-            </a:r>
+              <a:t>Clock: entrada que da la sincronía entre los bloques</a:t>
+            </a:r>
+          </a:p>
+          <a:p>
             <a:r>
               <a:rPr lang="es-MX" sz="1800" dirty="0"/>
-              <a:t>: entrada que reinicia los bloque para la sincronía.</a:t>
+              <a:t>Reset: entrada que reinicia los bloque para la sincronía.</a:t>
             </a:r>
           </a:p>
           <a:p>
             <a:r>
               <a:rPr lang="es-MX" sz="1800" dirty="0"/>
-              <a:t>Cambio de tono (</a:t>
-            </a:r>
-            <a:r>
-              <a:rPr lang="es-MX" sz="1800" dirty="0" err="1"/>
-              <a:t>Tone</a:t>
-            </a:r>
+              <a:t>Cambio de tono (Tone): interruptor que permite alterar el tono y los colores de las letras o la pantalla.</a:t>
+            </a:r>
+          </a:p>
+          <a:p>
             <a:r>
               <a:rPr lang="es-MX" sz="1800" dirty="0"/>
-              <a:t>): interruptor que permite alterar el tono</a:t>
-            </a:r>
-          </a:p>
-          <a:p>
-            <a:r>
-              <a:rPr lang="es-MX" sz="1800" dirty="0"/>
-              <a:t>Cambio de color (Color): interruptor que permite alterar el color de las letras o la pantalla</a:t>
-            </a:r>
-          </a:p>
-          <a:p>
-            <a:r>
-              <a:rPr lang="es-MX" sz="1800" dirty="0" err="1"/>
-              <a:t>Lp</a:t>
-            </a:r>
-            <a:r>
-              <a:rPr lang="es-MX" sz="1800" dirty="0"/>
-              <a:t>: permite seleccionar el cambio de color entre la pantalla o las letras</a:t>
+              <a:t>LP: permite seleccionar el cambio de color entre la pantalla o las letras</a:t>
             </a:r>
           </a:p>
           <a:p>
@@ -4484,7 +4458,7 @@
                 <a:t>, Up, Down, </a:t>
               </a:r>
               <a:r>
-                <a:rPr lang="es-419"/>
+                <a:rPr lang="es-419" dirty="0" err="1"/>
                 <a:t>Tone</a:t>
               </a:r>
               <a:endParaRPr lang="es-419" dirty="0"/>
